--- a/behaviour-buying/Presentation Template - Task 2.pptx
+++ b/behaviour-buying/Presentation Template - Task 2.pptx
@@ -4058,8 +4058,8 @@
         </p:nvSpPr>
         <p:spPr>
           <a:xfrm rot="10800000" flipV="1">
-            <a:off x="8857130" y="6347012"/>
-            <a:ext cx="3487274" cy="304800"/>
+            <a:off x="6544231" y="6370660"/>
+            <a:ext cx="5647769" cy="304800"/>
           </a:xfrm>
           <a:prstGeom prst="rect">
             <a:avLst/>
@@ -4089,19 +4089,29 @@
             </a:lvl1pPr>
           </a:lstStyle>
           <a:p>
-            <a:pPr algn="l"/>
+            <a:pPr algn="r"/>
             <a:r>
               <a:rPr lang="en-US" sz="1100" dirty="0"/>
               <a:t>By Diego Sanmiguel</a:t>
             </a:r>
           </a:p>
           <a:p>
-            <a:pPr algn="l"/>
+            <a:pPr algn="r"/>
             <a:r>
               <a:rPr lang="en-GB" sz="1100" dirty="0">
                 <a:hlinkClick r:id="rId5"/>
               </a:rPr>
               <a:t>https://www.linkedin.com/in/diegosanmiguelvargas/</a:t>
+            </a:r>
+            <a:endParaRPr lang="en-GB" sz="1100" dirty="0"/>
+          </a:p>
+          <a:p>
+            <a:pPr algn="r"/>
+            <a:r>
+              <a:rPr lang="en-GB" sz="1100" dirty="0">
+                <a:hlinkClick r:id="rId6"/>
+              </a:rPr>
+              <a:t>https://github.com/dasanmiguelv/supervised-machine-learning/tree/main/behaviour-buying</a:t>
             </a:r>
             <a:endParaRPr lang="en-GB" sz="1100" dirty="0"/>
           </a:p>
